--- a/slides/ppt.pptx
+++ b/slides/ppt.pptx
@@ -5,7 +5,7 @@
     <p:sldMasterId id="2147483828" r:id="rId1"/>
   </p:sldMasterIdLst>
   <p:notesMasterIdLst>
-    <p:notesMasterId r:id="rId11"/>
+    <p:notesMasterId r:id="rId13"/>
   </p:notesMasterIdLst>
   <p:sldIdLst>
     <p:sldId id="256" r:id="rId2"/>
@@ -17,6 +17,8 @@
     <p:sldId id="262" r:id="rId8"/>
     <p:sldId id="263" r:id="rId9"/>
     <p:sldId id="264" r:id="rId10"/>
+    <p:sldId id="265" r:id="rId11"/>
+    <p:sldId id="266" r:id="rId12"/>
   </p:sldIdLst>
   <p:sldSz cx="12192000" cy="6858000"/>
   <p:notesSz cx="6858000" cy="9144000"/>
@@ -7596,6 +7598,198 @@
     <p:extLst>
       <p:ext uri="{BB962C8B-B14F-4D97-AF65-F5344CB8AC3E}">
         <p14:creationId xmlns:p14="http://schemas.microsoft.com/office/powerpoint/2010/main" val="723289490"/>
+      </p:ext>
+    </p:extLst>
+  </p:cSld>
+  <p:clrMapOvr>
+    <a:masterClrMapping/>
+  </p:clrMapOvr>
+</p:sld>
+</file>
+
+<file path=ppt/slides/slide10.xml><?xml version="1.0" encoding="utf-8"?>
+<p:sld xmlns:a="http://schemas.openxmlformats.org/drawingml/2006/main" xmlns:r="http://schemas.openxmlformats.org/officeDocument/2006/relationships" xmlns:p="http://schemas.openxmlformats.org/presentationml/2006/main">
+  <p:cSld>
+    <p:spTree>
+      <p:nvGrpSpPr>
+        <p:cNvPr id="1" name=""/>
+        <p:cNvGrpSpPr/>
+        <p:nvPr/>
+      </p:nvGrpSpPr>
+      <p:grpSpPr>
+        <a:xfrm>
+          <a:off x="0" y="0"/>
+          <a:ext cx="0" cy="0"/>
+          <a:chOff x="0" y="0"/>
+          <a:chExt cx="0" cy="0"/>
+        </a:xfrm>
+      </p:grpSpPr>
+      <p:sp>
+        <p:nvSpPr>
+          <p:cNvPr id="2" name="Title 1">
+            <a:extLst>
+              <a:ext uri="{FF2B5EF4-FFF2-40B4-BE49-F238E27FC236}">
+                <a16:creationId xmlns:a16="http://schemas.microsoft.com/office/drawing/2014/main" id="{86CF4E22-7BA3-4550-AEFA-A3F38BD2F767}"/>
+              </a:ext>
+            </a:extLst>
+          </p:cNvPr>
+          <p:cNvSpPr>
+            <a:spLocks noGrp="1"/>
+          </p:cNvSpPr>
+          <p:nvPr>
+            <p:ph type="title"/>
+          </p:nvPr>
+        </p:nvSpPr>
+        <p:spPr>
+          <a:xfrm>
+            <a:off x="1251678" y="382385"/>
+            <a:ext cx="10178322" cy="721528"/>
+          </a:xfrm>
+        </p:spPr>
+        <p:txBody>
+          <a:bodyPr>
+            <a:normAutofit fontScale="90000"/>
+          </a:bodyPr>
+          <a:lstStyle/>
+          <a:p>
+            <a:r>
+              <a:rPr lang="en-US" dirty="0"/>
+              <a:t>Compare Different Classification</a:t>
+            </a:r>
+          </a:p>
+        </p:txBody>
+      </p:sp>
+      <p:pic>
+        <p:nvPicPr>
+          <p:cNvPr id="5" name="Content Placeholder 4" descr="A picture containing pencil&#10;&#10;Description automatically generated">
+            <a:extLst>
+              <a:ext uri="{FF2B5EF4-FFF2-40B4-BE49-F238E27FC236}">
+                <a16:creationId xmlns:a16="http://schemas.microsoft.com/office/drawing/2014/main" id="{2C1EA87C-D115-44B9-B998-5900DC99A2BD}"/>
+              </a:ext>
+            </a:extLst>
+          </p:cNvPr>
+          <p:cNvPicPr>
+            <a:picLocks noGrp="1" noChangeAspect="1"/>
+          </p:cNvPicPr>
+          <p:nvPr>
+            <p:ph idx="1"/>
+          </p:nvPr>
+        </p:nvPicPr>
+        <p:blipFill>
+          <a:blip r:embed="rId2"/>
+          <a:stretch>
+            <a:fillRect/>
+          </a:stretch>
+        </p:blipFill>
+        <p:spPr>
+          <a:xfrm>
+            <a:off x="2854325" y="1231900"/>
+            <a:ext cx="6972300" cy="4648200"/>
+          </a:xfrm>
+        </p:spPr>
+      </p:pic>
+    </p:spTree>
+    <p:extLst>
+      <p:ext uri="{BB962C8B-B14F-4D97-AF65-F5344CB8AC3E}">
+        <p14:creationId xmlns:p14="http://schemas.microsoft.com/office/powerpoint/2010/main" val="43212349"/>
+      </p:ext>
+    </p:extLst>
+  </p:cSld>
+  <p:clrMapOvr>
+    <a:masterClrMapping/>
+  </p:clrMapOvr>
+</p:sld>
+</file>
+
+<file path=ppt/slides/slide11.xml><?xml version="1.0" encoding="utf-8"?>
+<p:sld xmlns:a="http://schemas.openxmlformats.org/drawingml/2006/main" xmlns:r="http://schemas.openxmlformats.org/officeDocument/2006/relationships" xmlns:p="http://schemas.openxmlformats.org/presentationml/2006/main">
+  <p:cSld>
+    <p:spTree>
+      <p:nvGrpSpPr>
+        <p:cNvPr id="1" name=""/>
+        <p:cNvGrpSpPr/>
+        <p:nvPr/>
+      </p:nvGrpSpPr>
+      <p:grpSpPr>
+        <a:xfrm>
+          <a:off x="0" y="0"/>
+          <a:ext cx="0" cy="0"/>
+          <a:chOff x="0" y="0"/>
+          <a:chExt cx="0" cy="0"/>
+        </a:xfrm>
+      </p:grpSpPr>
+      <p:sp>
+        <p:nvSpPr>
+          <p:cNvPr id="2" name="Title 1">
+            <a:extLst>
+              <a:ext uri="{FF2B5EF4-FFF2-40B4-BE49-F238E27FC236}">
+                <a16:creationId xmlns:a16="http://schemas.microsoft.com/office/drawing/2014/main" id="{86CF4E22-7BA3-4550-AEFA-A3F38BD2F767}"/>
+              </a:ext>
+            </a:extLst>
+          </p:cNvPr>
+          <p:cNvSpPr>
+            <a:spLocks noGrp="1"/>
+          </p:cNvSpPr>
+          <p:nvPr>
+            <p:ph type="title"/>
+          </p:nvPr>
+        </p:nvSpPr>
+        <p:spPr>
+          <a:xfrm>
+            <a:off x="1251678" y="382385"/>
+            <a:ext cx="10178322" cy="721528"/>
+          </a:xfrm>
+        </p:spPr>
+        <p:txBody>
+          <a:bodyPr>
+            <a:normAutofit fontScale="90000"/>
+          </a:bodyPr>
+          <a:lstStyle/>
+          <a:p>
+            <a:r>
+              <a:rPr lang="en-US" dirty="0"/>
+              <a:t>L1 and L2 </a:t>
+            </a:r>
+            <a:r>
+              <a:rPr lang="en-US"/>
+              <a:t>regularization Logistic</a:t>
+            </a:r>
+            <a:endParaRPr lang="en-US" dirty="0"/>
+          </a:p>
+        </p:txBody>
+      </p:sp>
+      <p:pic>
+        <p:nvPicPr>
+          <p:cNvPr id="5" name="Content Placeholder 4">
+            <a:extLst>
+              <a:ext uri="{FF2B5EF4-FFF2-40B4-BE49-F238E27FC236}">
+                <a16:creationId xmlns:a16="http://schemas.microsoft.com/office/drawing/2014/main" id="{2C1EA87C-D115-44B9-B998-5900DC99A2BD}"/>
+              </a:ext>
+            </a:extLst>
+          </p:cNvPr>
+          <p:cNvPicPr>
+            <a:picLocks noGrp="1" noChangeAspect="1"/>
+          </p:cNvPicPr>
+          <p:nvPr>
+            <p:ph idx="1"/>
+          </p:nvPr>
+        </p:nvPicPr>
+        <p:blipFill>
+          <a:blip r:embed="rId2"/>
+          <a:srcRect/>
+          <a:stretch/>
+        </p:blipFill>
+        <p:spPr>
+          <a:xfrm>
+            <a:off x="2854325" y="1231900"/>
+            <a:ext cx="6972300" cy="4648200"/>
+          </a:xfrm>
+        </p:spPr>
+      </p:pic>
+    </p:spTree>
+    <p:extLst>
+      <p:ext uri="{BB962C8B-B14F-4D97-AF65-F5344CB8AC3E}">
+        <p14:creationId xmlns:p14="http://schemas.microsoft.com/office/powerpoint/2010/main" val="4156722788"/>
       </p:ext>
     </p:extLst>
   </p:cSld>

--- a/slides/ppt.pptx
+++ b/slides/ppt.pptx
@@ -207,7 +207,7 @@
           <a:p>
             <a:fld id="{075D432F-2478-8F40-BAA9-38B5E35EFE8F}" type="datetimeFigureOut">
               <a:rPr lang="en-US" smtClean="0"/>
-              <a:t>5/4/2020</a:t>
+              <a:t>5/5/2020</a:t>
             </a:fld>
             <a:endParaRPr lang="en-US"/>
           </a:p>
@@ -853,6 +853,105 @@
 </p:notes>
 </file>
 
+<file path=ppt/notesSlides/notesSlide3.xml><?xml version="1.0" encoding="utf-8"?>
+<p:notes xmlns:a="http://schemas.openxmlformats.org/drawingml/2006/main" xmlns:r="http://schemas.openxmlformats.org/officeDocument/2006/relationships" xmlns:p="http://schemas.openxmlformats.org/presentationml/2006/main">
+  <p:cSld>
+    <p:spTree>
+      <p:nvGrpSpPr>
+        <p:cNvPr id="1" name=""/>
+        <p:cNvGrpSpPr/>
+        <p:nvPr/>
+      </p:nvGrpSpPr>
+      <p:grpSpPr>
+        <a:xfrm>
+          <a:off x="0" y="0"/>
+          <a:ext cx="0" cy="0"/>
+          <a:chOff x="0" y="0"/>
+          <a:chExt cx="0" cy="0"/>
+        </a:xfrm>
+      </p:grpSpPr>
+      <p:sp>
+        <p:nvSpPr>
+          <p:cNvPr id="2" name="Slide Image Placeholder 1"/>
+          <p:cNvSpPr>
+            <a:spLocks noGrp="1" noRot="1" noChangeAspect="1"/>
+          </p:cNvSpPr>
+          <p:nvPr>
+            <p:ph type="sldImg"/>
+          </p:nvPr>
+        </p:nvSpPr>
+        <p:spPr/>
+      </p:sp>
+      <p:sp>
+        <p:nvSpPr>
+          <p:cNvPr id="3" name="Notes Placeholder 2"/>
+          <p:cNvSpPr>
+            <a:spLocks noGrp="1"/>
+          </p:cNvSpPr>
+          <p:nvPr>
+            <p:ph type="body" idx="1"/>
+          </p:nvPr>
+        </p:nvSpPr>
+        <p:spPr/>
+        <p:txBody>
+          <a:bodyPr/>
+          <a:lstStyle/>
+          <a:p>
+            <a:r>
+              <a:rPr lang="en-US" dirty="0"/>
+              <a:t>Svc=support vector classifier</a:t>
+            </a:r>
+          </a:p>
+          <a:p>
+            <a:r>
+              <a:rPr lang="en-US" dirty="0"/>
+              <a:t>+- std</a:t>
+            </a:r>
+          </a:p>
+          <a:p>
+            <a:r>
+              <a:rPr lang="en-US" dirty="0"/>
+              <a:t>When using 70% train set of train.csv</a:t>
+            </a:r>
+          </a:p>
+        </p:txBody>
+      </p:sp>
+      <p:sp>
+        <p:nvSpPr>
+          <p:cNvPr id="4" name="Slide Number Placeholder 3"/>
+          <p:cNvSpPr>
+            <a:spLocks noGrp="1"/>
+          </p:cNvSpPr>
+          <p:nvPr>
+            <p:ph type="sldNum" sz="quarter" idx="5"/>
+          </p:nvPr>
+        </p:nvSpPr>
+        <p:spPr/>
+        <p:txBody>
+          <a:bodyPr/>
+          <a:lstStyle/>
+          <a:p>
+            <a:fld id="{6830EE9C-EA7F-F241-94AE-33260F5AF93E}" type="slidenum">
+              <a:rPr lang="en-US" smtClean="0"/>
+              <a:t>9</a:t>
+            </a:fld>
+            <a:endParaRPr lang="en-US"/>
+          </a:p>
+        </p:txBody>
+      </p:sp>
+    </p:spTree>
+    <p:extLst>
+      <p:ext uri="{BB962C8B-B14F-4D97-AF65-F5344CB8AC3E}">
+        <p14:creationId xmlns:p14="http://schemas.microsoft.com/office/powerpoint/2010/main" val="3390097041"/>
+      </p:ext>
+    </p:extLst>
+  </p:cSld>
+  <p:clrMapOvr>
+    <a:masterClrMapping/>
+  </p:clrMapOvr>
+</p:notes>
+</file>
+
 <file path=ppt/slideLayouts/slideLayout1.xml><?xml version="1.0" encoding="utf-8"?>
 <p:sldLayout xmlns:a="http://schemas.openxmlformats.org/drawingml/2006/main" xmlns:r="http://schemas.openxmlformats.org/officeDocument/2006/relationships" xmlns:p="http://schemas.openxmlformats.org/presentationml/2006/main" showMasterSp="0" type="title" preserve="1">
   <p:cSld name="Title Slide">
@@ -2064,7 +2163,7 @@
           <a:p>
             <a:fld id="{12B42AD3-A1D2-5142-A0E4-DBAB6A8522B6}" type="datetimeFigureOut">
               <a:rPr lang="en-US" smtClean="0"/>
-              <a:t>5/4/2020</a:t>
+              <a:t>5/5/2020</a:t>
             </a:fld>
             <a:endParaRPr lang="en-US"/>
           </a:p>
@@ -2302,7 +2401,7 @@
           <a:p>
             <a:fld id="{12B42AD3-A1D2-5142-A0E4-DBAB6A8522B6}" type="datetimeFigureOut">
               <a:rPr lang="en-US" smtClean="0"/>
-              <a:t>5/4/2020</a:t>
+              <a:t>5/5/2020</a:t>
             </a:fld>
             <a:endParaRPr lang="en-US"/>
           </a:p>
@@ -2482,7 +2581,7 @@
           <a:p>
             <a:fld id="{12B42AD3-A1D2-5142-A0E4-DBAB6A8522B6}" type="datetimeFigureOut">
               <a:rPr lang="en-US" smtClean="0"/>
-              <a:t>5/4/2020</a:t>
+              <a:t>5/5/2020</a:t>
             </a:fld>
             <a:endParaRPr lang="en-US"/>
           </a:p>
@@ -2652,7 +2751,7 @@
           <a:p>
             <a:fld id="{12B42AD3-A1D2-5142-A0E4-DBAB6A8522B6}" type="datetimeFigureOut">
               <a:rPr lang="en-US" smtClean="0"/>
-              <a:t>5/4/2020</a:t>
+              <a:t>5/5/2020</a:t>
             </a:fld>
             <a:endParaRPr lang="en-US"/>
           </a:p>
@@ -2928,7 +3027,7 @@
           <a:p>
             <a:fld id="{12B42AD3-A1D2-5142-A0E4-DBAB6A8522B6}" type="datetimeFigureOut">
               <a:rPr lang="en-US" smtClean="0"/>
-              <a:t>5/4/2020</a:t>
+              <a:t>5/5/2020</a:t>
             </a:fld>
             <a:endParaRPr lang="en-US"/>
           </a:p>
@@ -4129,7 +4228,7 @@
           <a:p>
             <a:fld id="{12B42AD3-A1D2-5142-A0E4-DBAB6A8522B6}" type="datetimeFigureOut">
               <a:rPr lang="en-US" smtClean="0"/>
-              <a:t>5/4/2020</a:t>
+              <a:t>5/5/2020</a:t>
             </a:fld>
             <a:endParaRPr lang="en-US"/>
           </a:p>
@@ -4519,7 +4618,7 @@
           <a:p>
             <a:fld id="{12B42AD3-A1D2-5142-A0E4-DBAB6A8522B6}" type="datetimeFigureOut">
               <a:rPr lang="en-US" smtClean="0"/>
-              <a:t>5/4/2020</a:t>
+              <a:t>5/5/2020</a:t>
             </a:fld>
             <a:endParaRPr lang="en-US"/>
           </a:p>
@@ -4642,7 +4741,7 @@
           <a:p>
             <a:fld id="{12B42AD3-A1D2-5142-A0E4-DBAB6A8522B6}" type="datetimeFigureOut">
               <a:rPr lang="en-US" smtClean="0"/>
-              <a:t>5/4/2020</a:t>
+              <a:t>5/5/2020</a:t>
             </a:fld>
             <a:endParaRPr lang="en-US"/>
           </a:p>
@@ -4737,7 +4836,7 @@
           <a:p>
             <a:fld id="{12B42AD3-A1D2-5142-A0E4-DBAB6A8522B6}" type="datetimeFigureOut">
               <a:rPr lang="en-US" smtClean="0"/>
-              <a:t>5/4/2020</a:t>
+              <a:t>5/5/2020</a:t>
             </a:fld>
             <a:endParaRPr lang="en-US"/>
           </a:p>
@@ -5500,7 +5599,7 @@
           <a:p>
             <a:fld id="{12B42AD3-A1D2-5142-A0E4-DBAB6A8522B6}" type="datetimeFigureOut">
               <a:rPr lang="en-US" smtClean="0"/>
-              <a:t>5/4/2020</a:t>
+              <a:t>5/5/2020</a:t>
             </a:fld>
             <a:endParaRPr lang="en-US"/>
           </a:p>
@@ -6340,7 +6439,7 @@
           <a:p>
             <a:fld id="{12B42AD3-A1D2-5142-A0E4-DBAB6A8522B6}" type="datetimeFigureOut">
               <a:rPr lang="en-US" smtClean="0"/>
-              <a:t>5/4/2020</a:t>
+              <a:t>5/5/2020</a:t>
             </a:fld>
             <a:endParaRPr lang="en-US"/>
           </a:p>
@@ -6567,7 +6666,7 @@
           <a:p>
             <a:fld id="{12B42AD3-A1D2-5142-A0E4-DBAB6A8522B6}" type="datetimeFigureOut">
               <a:rPr lang="en-US" smtClean="0"/>
-              <a:t>5/4/2020</a:t>
+              <a:t>5/5/2020</a:t>
             </a:fld>
             <a:endParaRPr lang="en-US"/>
           </a:p>
@@ -8504,7 +8603,12 @@
             <p:ph type="title"/>
           </p:nvPr>
         </p:nvSpPr>
-        <p:spPr/>
+        <p:spPr>
+          <a:xfrm>
+            <a:off x="1299396" y="382385"/>
+            <a:ext cx="10178322" cy="1492132"/>
+          </a:xfrm>
+        </p:spPr>
         <p:txBody>
           <a:bodyPr/>
           <a:lstStyle/>
@@ -8516,31 +8620,302 @@
           </a:p>
         </p:txBody>
       </p:sp>
-      <p:sp>
-        <p:nvSpPr>
-          <p:cNvPr id="3" name="Content Placeholder 2">
+      <p:graphicFrame>
+        <p:nvGraphicFramePr>
+          <p:cNvPr id="6" name="Table 6">
             <a:extLst>
               <a:ext uri="{FF2B5EF4-FFF2-40B4-BE49-F238E27FC236}">
-                <a16:creationId xmlns:a16="http://schemas.microsoft.com/office/drawing/2014/main" id="{4A2D945B-F7AC-44B9-AAA0-B1AA872F7223}"/>
+                <a16:creationId xmlns:a16="http://schemas.microsoft.com/office/drawing/2014/main" id="{23692D65-5E7A-47E5-89ED-82F76DF2118F}"/>
               </a:ext>
             </a:extLst>
           </p:cNvPr>
-          <p:cNvSpPr>
-            <a:spLocks noGrp="1"/>
-          </p:cNvSpPr>
+          <p:cNvGraphicFramePr>
+            <a:graphicFrameLocks noGrp="1"/>
+          </p:cNvGraphicFramePr>
           <p:nvPr>
             <p:ph idx="1"/>
-          </p:nvPr>
-        </p:nvSpPr>
-        <p:spPr/>
-        <p:txBody>
-          <a:bodyPr/>
-          <a:lstStyle/>
-          <a:p>
-            <a:endParaRPr lang="en-US"/>
-          </a:p>
-        </p:txBody>
-      </p:sp>
+            <p:extLst>
+              <p:ext uri="{D42A27DB-BD31-4B8C-83A1-F6EECF244321}">
+                <p14:modId xmlns:p14="http://schemas.microsoft.com/office/powerpoint/2010/main" val="2310159603"/>
+              </p:ext>
+            </p:extLst>
+          </p:nvPr>
+        </p:nvGraphicFramePr>
+        <p:xfrm>
+          <a:off x="1388110" y="2131060"/>
+          <a:ext cx="7679690" cy="3964939"/>
+        </p:xfrm>
+        <a:graphic>
+          <a:graphicData uri="http://schemas.openxmlformats.org/drawingml/2006/table">
+            <a:tbl>
+              <a:tblPr firstRow="1" bandRow="1">
+                <a:tableStyleId>{00A15C55-8517-42AA-B614-E9B94910E393}</a:tableStyleId>
+              </a:tblPr>
+              <a:tblGrid>
+                <a:gridCol w="2793672">
+                  <a:extLst>
+                    <a:ext uri="{9D8B030D-6E8A-4147-A177-3AD203B41FA5}">
+                      <a16:colId xmlns:a16="http://schemas.microsoft.com/office/drawing/2014/main" val="3407873762"/>
+                    </a:ext>
+                  </a:extLst>
+                </a:gridCol>
+                <a:gridCol w="4886018">
+                  <a:extLst>
+                    <a:ext uri="{9D8B030D-6E8A-4147-A177-3AD203B41FA5}">
+                      <a16:colId xmlns:a16="http://schemas.microsoft.com/office/drawing/2014/main" val="1085629422"/>
+                    </a:ext>
+                  </a:extLst>
+                </a:gridCol>
+              </a:tblGrid>
+              <a:tr h="733975">
+                <a:tc>
+                  <a:txBody>
+                    <a:bodyPr/>
+                    <a:lstStyle/>
+                    <a:p>
+                      <a:pPr algn="ctr"/>
+                      <a:r>
+                        <a:rPr lang="en-US" dirty="0"/>
+                        <a:t>Classifier</a:t>
+                      </a:r>
+                    </a:p>
+                  </a:txBody>
+                  <a:tcPr/>
+                </a:tc>
+                <a:tc>
+                  <a:txBody>
+                    <a:bodyPr/>
+                    <a:lstStyle/>
+                    <a:p>
+                      <a:pPr algn="ctr"/>
+                      <a:r>
+                        <a:rPr lang="en-US" dirty="0"/>
+                        <a:t>Accuracy</a:t>
+                      </a:r>
+                    </a:p>
+                  </a:txBody>
+                  <a:tcPr/>
+                </a:tc>
+                <a:extLst>
+                  <a:ext uri="{0D108BD9-81ED-4DB2-BD59-A6C34878D82A}">
+                    <a16:rowId xmlns:a16="http://schemas.microsoft.com/office/drawing/2014/main" val="2038358637"/>
+                  </a:ext>
+                </a:extLst>
+              </a:tr>
+              <a:tr h="538494">
+                <a:tc>
+                  <a:txBody>
+                    <a:bodyPr/>
+                    <a:lstStyle/>
+                    <a:p>
+                      <a:pPr algn="ctr"/>
+                      <a:r>
+                        <a:rPr lang="en-US" dirty="0"/>
+                        <a:t>Dummy</a:t>
+                      </a:r>
+                    </a:p>
+                  </a:txBody>
+                  <a:tcPr/>
+                </a:tc>
+                <a:tc>
+                  <a:txBody>
+                    <a:bodyPr/>
+                    <a:lstStyle/>
+                    <a:p>
+                      <a:pPr algn="ctr"/>
+                      <a:r>
+                        <a:rPr lang="en-US" dirty="0"/>
+                        <a:t>0.502 (+/- 0.013)</a:t>
+                      </a:r>
+                    </a:p>
+                  </a:txBody>
+                  <a:tcPr/>
+                </a:tc>
+                <a:extLst>
+                  <a:ext uri="{0D108BD9-81ED-4DB2-BD59-A6C34878D82A}">
+                    <a16:rowId xmlns:a16="http://schemas.microsoft.com/office/drawing/2014/main" val="2087221758"/>
+                  </a:ext>
+                </a:extLst>
+              </a:tr>
+              <a:tr h="538494">
+                <a:tc>
+                  <a:txBody>
+                    <a:bodyPr/>
+                    <a:lstStyle/>
+                    <a:p>
+                      <a:pPr algn="ctr"/>
+                      <a:r>
+                        <a:rPr lang="en-US" dirty="0"/>
+                        <a:t>KNN</a:t>
+                      </a:r>
+                    </a:p>
+                  </a:txBody>
+                  <a:tcPr/>
+                </a:tc>
+                <a:tc>
+                  <a:txBody>
+                    <a:bodyPr/>
+                    <a:lstStyle/>
+                    <a:p>
+                      <a:pPr algn="ctr"/>
+                      <a:r>
+                        <a:rPr lang="en-US" dirty="0"/>
+                        <a:t>0.681 (+/- 0.009)</a:t>
+                      </a:r>
+                    </a:p>
+                  </a:txBody>
+                  <a:tcPr/>
+                </a:tc>
+                <a:extLst>
+                  <a:ext uri="{0D108BD9-81ED-4DB2-BD59-A6C34878D82A}">
+                    <a16:rowId xmlns:a16="http://schemas.microsoft.com/office/drawing/2014/main" val="712896283"/>
+                  </a:ext>
+                </a:extLst>
+              </a:tr>
+              <a:tr h="538494">
+                <a:tc>
+                  <a:txBody>
+                    <a:bodyPr/>
+                    <a:lstStyle/>
+                    <a:p>
+                      <a:pPr algn="ctr"/>
+                      <a:r>
+                        <a:rPr lang="en-US" dirty="0"/>
+                        <a:t>Decision Tree</a:t>
+                      </a:r>
+                    </a:p>
+                  </a:txBody>
+                  <a:tcPr/>
+                </a:tc>
+                <a:tc>
+                  <a:txBody>
+                    <a:bodyPr/>
+                    <a:lstStyle/>
+                    <a:p>
+                      <a:pPr algn="ctr"/>
+                      <a:r>
+                        <a:rPr lang="en-US" dirty="0"/>
+                        <a:t>0.635 (+/- 0.020)</a:t>
+                      </a:r>
+                    </a:p>
+                  </a:txBody>
+                  <a:tcPr/>
+                </a:tc>
+                <a:extLst>
+                  <a:ext uri="{0D108BD9-81ED-4DB2-BD59-A6C34878D82A}">
+                    <a16:rowId xmlns:a16="http://schemas.microsoft.com/office/drawing/2014/main" val="706958053"/>
+                  </a:ext>
+                </a:extLst>
+              </a:tr>
+              <a:tr h="538494">
+                <a:tc>
+                  <a:txBody>
+                    <a:bodyPr/>
+                    <a:lstStyle/>
+                    <a:p>
+                      <a:pPr algn="ctr"/>
+                      <a:r>
+                        <a:rPr lang="en-US" dirty="0"/>
+                        <a:t>SVC</a:t>
+                      </a:r>
+                    </a:p>
+                  </a:txBody>
+                  <a:tcPr/>
+                </a:tc>
+                <a:tc>
+                  <a:txBody>
+                    <a:bodyPr/>
+                    <a:lstStyle/>
+                    <a:p>
+                      <a:pPr algn="ctr"/>
+                      <a:r>
+                        <a:rPr lang="en-US" dirty="0"/>
+                        <a:t>0.722 (+/- 0.011)</a:t>
+                      </a:r>
+                    </a:p>
+                  </a:txBody>
+                  <a:tcPr/>
+                </a:tc>
+                <a:extLst>
+                  <a:ext uri="{0D108BD9-81ED-4DB2-BD59-A6C34878D82A}">
+                    <a16:rowId xmlns:a16="http://schemas.microsoft.com/office/drawing/2014/main" val="1604835414"/>
+                  </a:ext>
+                </a:extLst>
+              </a:tr>
+              <a:tr h="538494">
+                <a:tc>
+                  <a:txBody>
+                    <a:bodyPr/>
+                    <a:lstStyle/>
+                    <a:p>
+                      <a:pPr algn="ctr"/>
+                      <a:r>
+                        <a:rPr lang="en-US" dirty="0"/>
+                        <a:t>Random Forest</a:t>
+                      </a:r>
+                    </a:p>
+                  </a:txBody>
+                  <a:tcPr/>
+                </a:tc>
+                <a:tc>
+                  <a:txBody>
+                    <a:bodyPr/>
+                    <a:lstStyle/>
+                    <a:p>
+                      <a:pPr algn="ctr"/>
+                      <a:r>
+                        <a:rPr lang="en-US" dirty="0"/>
+                        <a:t>0.701 (+/- 0.014)</a:t>
+                      </a:r>
+                    </a:p>
+                  </a:txBody>
+                  <a:tcPr/>
+                </a:tc>
+                <a:extLst>
+                  <a:ext uri="{0D108BD9-81ED-4DB2-BD59-A6C34878D82A}">
+                    <a16:rowId xmlns:a16="http://schemas.microsoft.com/office/drawing/2014/main" val="2784485101"/>
+                  </a:ext>
+                </a:extLst>
+              </a:tr>
+              <a:tr h="538494">
+                <a:tc>
+                  <a:txBody>
+                    <a:bodyPr/>
+                    <a:lstStyle/>
+                    <a:p>
+                      <a:pPr algn="ctr"/>
+                      <a:r>
+                        <a:rPr lang="en-US" dirty="0"/>
+                        <a:t>Logistic</a:t>
+                      </a:r>
+                    </a:p>
+                  </a:txBody>
+                  <a:tcPr/>
+                </a:tc>
+                <a:tc>
+                  <a:txBody>
+                    <a:bodyPr/>
+                    <a:lstStyle/>
+                    <a:p>
+                      <a:pPr algn="ctr"/>
+                      <a:r>
+                        <a:rPr lang="en-US" dirty="0"/>
+                        <a:t>0.729 (+/- 0.007)</a:t>
+                      </a:r>
+                    </a:p>
+                  </a:txBody>
+                  <a:tcPr/>
+                </a:tc>
+                <a:extLst>
+                  <a:ext uri="{0D108BD9-81ED-4DB2-BD59-A6C34878D82A}">
+                    <a16:rowId xmlns:a16="http://schemas.microsoft.com/office/drawing/2014/main" val="659117623"/>
+                  </a:ext>
+                </a:extLst>
+              </a:tr>
+            </a:tbl>
+          </a:graphicData>
+        </a:graphic>
+      </p:graphicFrame>
     </p:spTree>
     <p:extLst>
       <p:ext uri="{BB962C8B-B14F-4D97-AF65-F5344CB8AC3E}">
